--- a/Week3/Challenge/MCR2_dual_link_manipulator.pptx
+++ b/Week3/Challenge/MCR2_dual_link_manipulator.pptx
@@ -11,6 +11,8 @@
     <p:sldId id="316" r:id="rId5"/>
     <p:sldId id="331" r:id="rId6"/>
     <p:sldId id="322" r:id="rId7"/>
+    <p:sldId id="332" r:id="rId8"/>
+    <p:sldId id="333" r:id="rId9"/>
   </p:sldIdLst>
   <p:sldSz cx="12192000" cy="6858000"/>
   <p:notesSz cx="6858000" cy="9144000"/>
@@ -347,7 +349,7 @@
           <a:p>
             <a:fld id="{28E8D346-A915-4882-A510-80C55F2B0290}" type="datetimeFigureOut">
               <a:rPr lang="en-GB" smtClean="0"/>
-              <a:t>20/04/2024</a:t>
+              <a:t>10/02/2025</a:t>
             </a:fld>
             <a:endParaRPr lang="en-GB"/>
           </a:p>
@@ -3360,7 +3362,7 @@
           <a:p>
             <a:fld id="{28E8D346-A915-4882-A510-80C55F2B0290}" type="datetimeFigureOut">
               <a:rPr lang="en-GB" smtClean="0"/>
-              <a:t>20/04/2024</a:t>
+              <a:t>10/02/2025</a:t>
             </a:fld>
             <a:endParaRPr lang="en-GB"/>
           </a:p>
@@ -3841,7 +3843,7 @@
           <a:p>
             <a:fld id="{28E8D346-A915-4882-A510-80C55F2B0290}" type="datetimeFigureOut">
               <a:rPr lang="en-GB" smtClean="0"/>
-              <a:t>20/04/2024</a:t>
+              <a:t>10/02/2025</a:t>
             </a:fld>
             <a:endParaRPr lang="en-GB"/>
           </a:p>
@@ -4164,7 +4166,7 @@
           <a:p>
             <a:fld id="{28E8D346-A915-4882-A510-80C55F2B0290}" type="datetimeFigureOut">
               <a:rPr lang="en-GB" smtClean="0"/>
-              <a:t>20/04/2024</a:t>
+              <a:t>10/02/2025</a:t>
             </a:fld>
             <a:endParaRPr lang="en-GB"/>
           </a:p>
@@ -4657,7 +4659,7 @@
           <a:p>
             <a:fld id="{28E8D346-A915-4882-A510-80C55F2B0290}" type="datetimeFigureOut">
               <a:rPr lang="en-GB" smtClean="0"/>
-              <a:t>20/04/2024</a:t>
+              <a:t>10/02/2025</a:t>
             </a:fld>
             <a:endParaRPr lang="en-GB"/>
           </a:p>
@@ -5179,7 +5181,7 @@
           <a:p>
             <a:fld id="{28E8D346-A915-4882-A510-80C55F2B0290}" type="datetimeFigureOut">
               <a:rPr lang="en-GB" smtClean="0"/>
-              <a:t>20/04/2024</a:t>
+              <a:t>10/02/2025</a:t>
             </a:fld>
             <a:endParaRPr lang="en-GB"/>
           </a:p>
@@ -5674,7 +5676,7 @@
           <a:p>
             <a:fld id="{28E8D346-A915-4882-A510-80C55F2B0290}" type="datetimeFigureOut">
               <a:rPr lang="en-GB" smtClean="0"/>
-              <a:t>20/04/2024</a:t>
+              <a:t>10/02/2025</a:t>
             </a:fld>
             <a:endParaRPr lang="en-GB"/>
           </a:p>
@@ -6281,7 +6283,7 @@
           <a:p>
             <a:fld id="{28E8D346-A915-4882-A510-80C55F2B0290}" type="datetimeFigureOut">
               <a:rPr lang="en-GB" smtClean="0"/>
-              <a:t>20/04/2024</a:t>
+              <a:t>10/02/2025</a:t>
             </a:fld>
             <a:endParaRPr lang="en-GB"/>
           </a:p>
@@ -6776,7 +6778,7 @@
           <a:p>
             <a:fld id="{28E8D346-A915-4882-A510-80C55F2B0290}" type="datetimeFigureOut">
               <a:rPr lang="en-GB" smtClean="0"/>
-              <a:t>20/04/2024</a:t>
+              <a:t>10/02/2025</a:t>
             </a:fld>
             <a:endParaRPr lang="en-GB"/>
           </a:p>
@@ -7539,7 +7541,7 @@
           <a:p>
             <a:fld id="{28E8D346-A915-4882-A510-80C55F2B0290}" type="datetimeFigureOut">
               <a:rPr lang="en-GB" smtClean="0"/>
-              <a:t>20/04/2024</a:t>
+              <a:t>10/02/2025</a:t>
             </a:fld>
             <a:endParaRPr lang="en-GB"/>
           </a:p>
@@ -8190,7 +8192,7 @@
           <a:p>
             <a:fld id="{28E8D346-A915-4882-A510-80C55F2B0290}" type="datetimeFigureOut">
               <a:rPr lang="en-GB" smtClean="0"/>
-              <a:t>20/04/2024</a:t>
+              <a:t>10/02/2025</a:t>
             </a:fld>
             <a:endParaRPr lang="en-GB"/>
           </a:p>
@@ -8569,7 +8571,7 @@
           <a:p>
             <a:fld id="{28E8D346-A915-4882-A510-80C55F2B0290}" type="datetimeFigureOut">
               <a:rPr lang="en-GB" smtClean="0"/>
-              <a:t>20/04/2024</a:t>
+              <a:t>10/02/2025</a:t>
             </a:fld>
             <a:endParaRPr lang="en-GB"/>
           </a:p>
@@ -8836,7 +8838,7 @@
           <a:p>
             <a:fld id="{28E8D346-A915-4882-A510-80C55F2B0290}" type="datetimeFigureOut">
               <a:rPr lang="en-GB" smtClean="0"/>
-              <a:t>20/04/2024</a:t>
+              <a:t>10/02/2025</a:t>
             </a:fld>
             <a:endParaRPr lang="en-GB"/>
           </a:p>
@@ -9409,7 +9411,7 @@
           <a:p>
             <a:fld id="{28E8D346-A915-4882-A510-80C55F2B0290}" type="datetimeFigureOut">
               <a:rPr lang="en-GB" smtClean="0"/>
-              <a:t>20/04/2024</a:t>
+              <a:t>10/02/2025</a:t>
             </a:fld>
             <a:endParaRPr lang="en-GB"/>
           </a:p>
@@ -9653,7 +9655,7 @@
           <a:p>
             <a:fld id="{28E8D346-A915-4882-A510-80C55F2B0290}" type="datetimeFigureOut">
               <a:rPr lang="en-GB" smtClean="0"/>
-              <a:t>20/04/2024</a:t>
+              <a:t>10/02/2025</a:t>
             </a:fld>
             <a:endParaRPr lang="en-GB"/>
           </a:p>
@@ -9839,7 +9841,7 @@
           <a:p>
             <a:fld id="{28E8D346-A915-4882-A510-80C55F2B0290}" type="datetimeFigureOut">
               <a:rPr lang="en-GB" smtClean="0"/>
-              <a:t>20/04/2024</a:t>
+              <a:t>10/02/2025</a:t>
             </a:fld>
             <a:endParaRPr lang="en-GB"/>
           </a:p>
@@ -10137,7 +10139,7 @@
           <a:p>
             <a:fld id="{28E8D346-A915-4882-A510-80C55F2B0290}" type="datetimeFigureOut">
               <a:rPr lang="en-GB" smtClean="0"/>
-              <a:t>20/04/2024</a:t>
+              <a:t>10/02/2025</a:t>
             </a:fld>
             <a:endParaRPr lang="en-GB"/>
           </a:p>
@@ -10572,7 +10574,7 @@
           <a:p>
             <a:fld id="{28E8D346-A915-4882-A510-80C55F2B0290}" type="datetimeFigureOut">
               <a:rPr lang="en-GB" smtClean="0"/>
-              <a:t>20/04/2024</a:t>
+              <a:t>10/02/2025</a:t>
             </a:fld>
             <a:endParaRPr lang="en-GB"/>
           </a:p>
@@ -11045,7 +11047,7 @@
           <a:p>
             <a:fld id="{28E8D346-A915-4882-A510-80C55F2B0290}" type="datetimeFigureOut">
               <a:rPr lang="en-GB" smtClean="0"/>
-              <a:t>20/04/2024</a:t>
+              <a:t>10/02/2025</a:t>
             </a:fld>
             <a:endParaRPr lang="en-GB"/>
           </a:p>
@@ -11501,7 +11503,7 @@
           <a:p>
             <a:fld id="{28E8D346-A915-4882-A510-80C55F2B0290}" type="datetimeFigureOut">
               <a:rPr lang="en-GB" smtClean="0"/>
-              <a:t>20/04/2024</a:t>
+              <a:t>10/02/2025</a:t>
             </a:fld>
             <a:endParaRPr lang="en-GB"/>
           </a:p>
@@ -11725,7 +11727,7 @@
           <a:p>
             <a:fld id="{28E8D346-A915-4882-A510-80C55F2B0290}" type="datetimeFigureOut">
               <a:rPr lang="en-GB" smtClean="0"/>
-              <a:t>20/04/2024</a:t>
+              <a:t>10/02/2025</a:t>
             </a:fld>
             <a:endParaRPr lang="en-GB"/>
           </a:p>
@@ -11951,7 +11953,7 @@
           <a:p>
             <a:fld id="{28E8D346-A915-4882-A510-80C55F2B0290}" type="datetimeFigureOut">
               <a:rPr lang="en-GB" smtClean="0"/>
-              <a:t>20/04/2024</a:t>
+              <a:t>10/02/2025</a:t>
             </a:fld>
             <a:endParaRPr lang="en-GB"/>
           </a:p>
@@ -12177,7 +12179,7 @@
           <a:p>
             <a:fld id="{28E8D346-A915-4882-A510-80C55F2B0290}" type="datetimeFigureOut">
               <a:rPr lang="en-GB" smtClean="0"/>
-              <a:t>20/04/2024</a:t>
+              <a:t>10/02/2025</a:t>
             </a:fld>
             <a:endParaRPr lang="en-GB"/>
           </a:p>
@@ -12325,7 +12327,7 @@
           <a:p>
             <a:fld id="{28E8D346-A915-4882-A510-80C55F2B0290}" type="datetimeFigureOut">
               <a:rPr lang="en-GB" smtClean="0"/>
-              <a:t>20/04/2024</a:t>
+              <a:t>10/02/2025</a:t>
             </a:fld>
             <a:endParaRPr lang="en-GB"/>
           </a:p>
@@ -12719,7 +12721,7 @@
           <a:p>
             <a:fld id="{28E8D346-A915-4882-A510-80C55F2B0290}" type="datetimeFigureOut">
               <a:rPr lang="en-GB" smtClean="0"/>
-              <a:t>20/04/2024</a:t>
+              <a:t>10/02/2025</a:t>
             </a:fld>
             <a:endParaRPr lang="en-GB"/>
           </a:p>
@@ -13276,7 +13278,7 @@
           <a:p>
             <a:fld id="{28E8D346-A915-4882-A510-80C55F2B0290}" type="datetimeFigureOut">
               <a:rPr lang="en-GB" smtClean="0"/>
-              <a:t>20/04/2024</a:t>
+              <a:t>10/02/2025</a:t>
             </a:fld>
             <a:endParaRPr lang="en-GB"/>
           </a:p>
@@ -13782,7 +13784,7 @@
           <a:p>
             <a:fld id="{28E8D346-A915-4882-A510-80C55F2B0290}" type="datetimeFigureOut">
               <a:rPr lang="en-GB" smtClean="0"/>
-              <a:t>20/04/2024</a:t>
+              <a:t>10/02/2025</a:t>
             </a:fld>
             <a:endParaRPr lang="en-GB"/>
           </a:p>
@@ -14180,7 +14182,7 @@
           <a:p>
             <a:fld id="{28E8D346-A915-4882-A510-80C55F2B0290}" type="datetimeFigureOut">
               <a:rPr lang="en-GB" smtClean="0"/>
-              <a:t>20/04/2024</a:t>
+              <a:t>10/02/2025</a:t>
             </a:fld>
             <a:endParaRPr lang="en-GB"/>
           </a:p>
@@ -15046,7 +15048,7 @@
           <a:p>
             <a:fld id="{9D27316D-C409-4712-90E5-1C58F0743890}" type="datetimeFigureOut">
               <a:rPr lang="en-GB" smtClean="0"/>
-              <a:t>20/04/2024</a:t>
+              <a:t>10/02/2025</a:t>
             </a:fld>
             <a:endParaRPr lang="en-GB"/>
           </a:p>
@@ -16196,8 +16198,8 @@
           </a:p>
         </p:txBody>
       </p:sp>
-      <mc:AlternateContent xmlns:mc="http://schemas.openxmlformats.org/markup-compatibility/2006">
-        <mc:Choice xmlns:a14="http://schemas.microsoft.com/office/drawing/2010/main" Requires="a14">
+      <mc:AlternateContent xmlns:mc="http://schemas.openxmlformats.org/markup-compatibility/2006" xmlns:a14="http://schemas.microsoft.com/office/drawing/2010/main">
+        <mc:Choice Requires="a14">
           <p:sp>
             <p:nvSpPr>
               <p:cNvPr id="15" name="TextBox 14">
@@ -16236,18 +16238,24 @@
                       <m:f>
                         <m:fPr>
                           <m:ctrlPr>
-                            <a:rPr lang="x-IV_mathan" i="1"/>
+                            <a:rPr lang="x-IV_mathan" i="1">
+                              <a:latin typeface="Cambria Math" panose="02040503050406030204" pitchFamily="18" charset="0"/>
+                            </a:rPr>
                           </m:ctrlPr>
                         </m:fPr>
                         <m:num>
                           <m:r>
-                            <a:rPr lang="x-IV_mathan"/>
+                            <a:rPr lang="x-IV_mathan">
+                              <a:latin typeface="Cambria Math" panose="02040503050406030204" pitchFamily="18" charset="0"/>
+                            </a:rPr>
                             <m:t>𝑑</m:t>
                           </m:r>
                         </m:num>
                         <m:den>
                           <m:r>
-                            <a:rPr lang="x-IV_mathan"/>
+                            <a:rPr lang="x-IV_mathan">
+                              <a:latin typeface="Cambria Math" panose="02040503050406030204" pitchFamily="18" charset="0"/>
+                            </a:rPr>
                             <m:t>𝑑𝑡</m:t>
                           </m:r>
                         </m:den>
@@ -16257,7 +16265,9 @@
                           <m:begChr m:val="["/>
                           <m:endChr m:val="]"/>
                           <m:ctrlPr>
-                            <a:rPr lang="x-IV_mathan" i="1"/>
+                            <a:rPr lang="x-IV_mathan" i="1">
+                              <a:latin typeface="Cambria Math" panose="02040503050406030204" pitchFamily="18" charset="0"/>
+                            </a:rPr>
                           </m:ctrlPr>
                         </m:dPr>
                         <m:e>
@@ -16272,13 +16282,17 @@
                                 </m:mc>
                               </m:mcs>
                               <m:ctrlPr>
-                                <a:rPr lang="x-IV_mathan" i="1"/>
+                                <a:rPr lang="x-IV_mathan" i="1">
+                                  <a:latin typeface="Cambria Math" panose="02040503050406030204" pitchFamily="18" charset="0"/>
+                                </a:rPr>
                               </m:ctrlPr>
                             </m:mPr>
                             <m:mr>
                               <m:e>
                                 <m:r>
-                                  <a:rPr lang="x-IV_mathan"/>
+                                  <a:rPr lang="x-IV_mathan">
+                                    <a:latin typeface="Cambria Math" panose="02040503050406030204" pitchFamily="18" charset="0"/>
+                                  </a:rPr>
                                   <m:t>𝒒</m:t>
                                 </m:r>
                               </m:e>
@@ -16289,12 +16303,16 @@
                                   <m:accPr>
                                     <m:chr m:val="̇"/>
                                     <m:ctrlPr>
-                                      <a:rPr lang="x-IV_mathan" i="1"/>
+                                      <a:rPr lang="x-IV_mathan" i="1">
+                                        <a:latin typeface="Cambria Math" panose="02040503050406030204" pitchFamily="18" charset="0"/>
+                                      </a:rPr>
                                     </m:ctrlPr>
                                   </m:accPr>
                                   <m:e>
                                     <m:r>
-                                      <a:rPr lang="x-IV_mathan"/>
+                                      <a:rPr lang="x-IV_mathan">
+                                        <a:latin typeface="Cambria Math" panose="02040503050406030204" pitchFamily="18" charset="0"/>
+                                      </a:rPr>
                                       <m:t>𝒒</m:t>
                                     </m:r>
                                   </m:e>
@@ -16305,7 +16323,9 @@
                         </m:e>
                       </m:d>
                       <m:r>
-                        <a:rPr lang="x-IV_mathan"/>
+                        <a:rPr lang="x-IV_mathan">
+                          <a:latin typeface="Cambria Math" panose="02040503050406030204" pitchFamily="18" charset="0"/>
+                        </a:rPr>
                         <m:t>=</m:t>
                       </m:r>
                       <m:d>
@@ -16313,7 +16333,9 @@
                           <m:begChr m:val="["/>
                           <m:endChr m:val="]"/>
                           <m:ctrlPr>
-                            <a:rPr lang="x-IV_mathan" i="1"/>
+                            <a:rPr lang="x-IV_mathan" i="1">
+                              <a:latin typeface="Cambria Math" panose="02040503050406030204" pitchFamily="18" charset="0"/>
+                            </a:rPr>
                           </m:ctrlPr>
                         </m:dPr>
                         <m:e>
@@ -16328,13 +16350,17 @@
                                 </m:mc>
                               </m:mcs>
                               <m:ctrlPr>
-                                <a:rPr lang="x-IV_mathan" i="1"/>
+                                <a:rPr lang="x-IV_mathan" i="1">
+                                  <a:latin typeface="Cambria Math" panose="02040503050406030204" pitchFamily="18" charset="0"/>
+                                </a:rPr>
                               </m:ctrlPr>
                             </m:mPr>
                             <m:mr>
                               <m:e>
                                 <m:r>
-                                  <a:rPr lang="x-IV_mathan"/>
+                                  <a:rPr lang="x-IV_mathan">
+                                    <a:latin typeface="Cambria Math" panose="02040503050406030204" pitchFamily="18" charset="0"/>
+                                  </a:rPr>
                                   <m:t>𝒒</m:t>
                                 </m:r>
                               </m:e>
@@ -16344,82 +16370,114 @@
                                 <m:sSup>
                                   <m:sSupPr>
                                     <m:ctrlPr>
-                                      <a:rPr lang="x-IV_mathan" i="1"/>
+                                      <a:rPr lang="x-IV_mathan" i="1">
+                                        <a:latin typeface="Cambria Math" panose="02040503050406030204" pitchFamily="18" charset="0"/>
+                                      </a:rPr>
                                     </m:ctrlPr>
                                   </m:sSupPr>
                                   <m:e>
                                     <m:r>
-                                      <a:rPr lang="x-IV_mathan"/>
+                                      <a:rPr lang="x-IV_mathan">
+                                        <a:latin typeface="Cambria Math" panose="02040503050406030204" pitchFamily="18" charset="0"/>
+                                      </a:rPr>
                                       <m:t>𝑴</m:t>
                                     </m:r>
                                   </m:e>
                                   <m:sup>
                                     <m:r>
-                                      <a:rPr lang="x-IV_mathan"/>
+                                      <a:rPr lang="x-IV_mathan">
+                                        <a:latin typeface="Cambria Math" panose="02040503050406030204" pitchFamily="18" charset="0"/>
+                                      </a:rPr>
                                       <m:t>−</m:t>
                                     </m:r>
                                     <m:r>
-                                      <a:rPr lang="x-IV_mathan"/>
+                                      <a:rPr lang="x-IV_mathan">
+                                        <a:latin typeface="Cambria Math" panose="02040503050406030204" pitchFamily="18" charset="0"/>
+                                      </a:rPr>
                                       <m:t>𝟏</m:t>
                                     </m:r>
                                   </m:sup>
                                 </m:sSup>
                                 <m:r>
-                                  <a:rPr lang="x-IV_mathan"/>
+                                  <a:rPr lang="x-IV_mathan">
+                                    <a:latin typeface="Cambria Math" panose="02040503050406030204" pitchFamily="18" charset="0"/>
+                                  </a:rPr>
                                   <m:t>(</m:t>
                                 </m:r>
                                 <m:r>
-                                  <a:rPr lang="x-IV_mathan"/>
+                                  <a:rPr lang="x-IV_mathan">
+                                    <a:latin typeface="Cambria Math" panose="02040503050406030204" pitchFamily="18" charset="0"/>
+                                  </a:rPr>
                                   <m:t>𝒒</m:t>
                                 </m:r>
                                 <m:r>
-                                  <a:rPr lang="x-IV_mathan"/>
+                                  <a:rPr lang="x-IV_mathan">
+                                    <a:latin typeface="Cambria Math" panose="02040503050406030204" pitchFamily="18" charset="0"/>
+                                  </a:rPr>
                                   <m:t>)</m:t>
                                 </m:r>
                                 <m:d>
                                   <m:dPr>
                                     <m:ctrlPr>
-                                      <a:rPr lang="x-IV_mathan" i="1"/>
+                                      <a:rPr lang="x-IV_mathan" i="1">
+                                        <a:latin typeface="Cambria Math" panose="02040503050406030204" pitchFamily="18" charset="0"/>
+                                      </a:rPr>
                                     </m:ctrlPr>
                                   </m:dPr>
                                   <m:e>
                                     <m:r>
-                                      <a:rPr lang="x-IV_mathan"/>
+                                      <a:rPr lang="x-IV_mathan">
+                                        <a:latin typeface="Cambria Math" panose="02040503050406030204" pitchFamily="18" charset="0"/>
+                                      </a:rPr>
                                       <m:t>𝝉</m:t>
                                     </m:r>
                                     <m:r>
-                                      <a:rPr lang="x-IV_mathan"/>
+                                      <a:rPr lang="x-IV_mathan">
+                                        <a:latin typeface="Cambria Math" panose="02040503050406030204" pitchFamily="18" charset="0"/>
+                                      </a:rPr>
                                       <m:t>−</m:t>
                                     </m:r>
                                     <m:r>
-                                      <a:rPr lang="x-IV_mathan"/>
+                                      <a:rPr lang="x-IV_mathan">
+                                        <a:latin typeface="Cambria Math" panose="02040503050406030204" pitchFamily="18" charset="0"/>
+                                      </a:rPr>
                                       <m:t>𝑪</m:t>
                                     </m:r>
                                     <m:d>
                                       <m:dPr>
                                         <m:ctrlPr>
-                                          <a:rPr lang="x-IV_mathan" i="1"/>
+                                          <a:rPr lang="x-IV_mathan" i="1">
+                                            <a:latin typeface="Cambria Math" panose="02040503050406030204" pitchFamily="18" charset="0"/>
+                                          </a:rPr>
                                         </m:ctrlPr>
                                       </m:dPr>
                                       <m:e>
                                         <m:r>
-                                          <a:rPr lang="x-IV_mathan"/>
+                                          <a:rPr lang="x-IV_mathan">
+                                            <a:latin typeface="Cambria Math" panose="02040503050406030204" pitchFamily="18" charset="0"/>
+                                          </a:rPr>
                                           <m:t>𝒒</m:t>
                                         </m:r>
                                         <m:r>
-                                          <a:rPr lang="x-IV_mathan"/>
+                                          <a:rPr lang="x-IV_mathan">
+                                            <a:latin typeface="Cambria Math" panose="02040503050406030204" pitchFamily="18" charset="0"/>
+                                          </a:rPr>
                                           <m:t>,</m:t>
                                         </m:r>
                                         <m:acc>
                                           <m:accPr>
                                             <m:chr m:val="̇"/>
                                             <m:ctrlPr>
-                                              <a:rPr lang="x-IV_mathan" i="1"/>
+                                              <a:rPr lang="x-IV_mathan" i="1">
+                                                <a:latin typeface="Cambria Math" panose="02040503050406030204" pitchFamily="18" charset="0"/>
+                                              </a:rPr>
                                             </m:ctrlPr>
                                           </m:accPr>
                                           <m:e>
                                             <m:r>
-                                              <a:rPr lang="x-IV_mathan"/>
+                                              <a:rPr lang="x-IV_mathan">
+                                                <a:latin typeface="Cambria Math" panose="02040503050406030204" pitchFamily="18" charset="0"/>
+                                              </a:rPr>
                                               <m:t>𝒒</m:t>
                                             </m:r>
                                           </m:e>
@@ -16430,33 +16488,45 @@
                                       <m:accPr>
                                         <m:chr m:val="̇"/>
                                         <m:ctrlPr>
-                                          <a:rPr lang="x-IV_mathan" i="1"/>
+                                          <a:rPr lang="x-IV_mathan" i="1">
+                                            <a:latin typeface="Cambria Math" panose="02040503050406030204" pitchFamily="18" charset="0"/>
+                                          </a:rPr>
                                         </m:ctrlPr>
                                       </m:accPr>
                                       <m:e>
                                         <m:r>
-                                          <a:rPr lang="x-IV_mathan"/>
+                                          <a:rPr lang="x-IV_mathan">
+                                            <a:latin typeface="Cambria Math" panose="02040503050406030204" pitchFamily="18" charset="0"/>
+                                          </a:rPr>
                                           <m:t>𝒒</m:t>
                                         </m:r>
                                       </m:e>
                                     </m:acc>
                                     <m:r>
-                                      <a:rPr lang="x-IV_mathan"/>
+                                      <a:rPr lang="x-IV_mathan">
+                                        <a:latin typeface="Cambria Math" panose="02040503050406030204" pitchFamily="18" charset="0"/>
+                                      </a:rPr>
                                       <m:t>−</m:t>
                                     </m:r>
                                     <m:r>
-                                      <a:rPr lang="x-IV_mathan"/>
+                                      <a:rPr lang="x-IV_mathan">
+                                        <a:latin typeface="Cambria Math" panose="02040503050406030204" pitchFamily="18" charset="0"/>
+                                      </a:rPr>
                                       <m:t>𝒈</m:t>
                                     </m:r>
                                     <m:d>
                                       <m:dPr>
                                         <m:ctrlPr>
-                                          <a:rPr lang="x-IV_mathan" i="1"/>
+                                          <a:rPr lang="x-IV_mathan" i="1">
+                                            <a:latin typeface="Cambria Math" panose="02040503050406030204" pitchFamily="18" charset="0"/>
+                                          </a:rPr>
                                         </m:ctrlPr>
                                       </m:dPr>
                                       <m:e>
                                         <m:r>
-                                          <a:rPr lang="x-IV_mathan"/>
+                                          <a:rPr lang="x-IV_mathan">
+                                            <a:latin typeface="Cambria Math" panose="02040503050406030204" pitchFamily="18" charset="0"/>
+                                          </a:rPr>
                                           <m:t>𝒒</m:t>
                                         </m:r>
                                       </m:e>
@@ -16485,7 +16555,7 @@
             </p:txBody>
           </p:sp>
         </mc:Choice>
-        <mc:Fallback>
+        <mc:Fallback xmlns="">
           <p:sp>
             <p:nvSpPr>
               <p:cNvPr id="15" name="TextBox 14">
@@ -18117,6 +18187,1497 @@
     <p:extLst>
       <p:ext uri="{BB962C8B-B14F-4D97-AF65-F5344CB8AC3E}">
         <p14:creationId xmlns:p14="http://schemas.microsoft.com/office/powerpoint/2010/main" val="2665370740"/>
+      </p:ext>
+    </p:extLst>
+  </p:cSld>
+  <p:clrMapOvr>
+    <a:masterClrMapping/>
+  </p:clrMapOvr>
+</p:sld>
+</file>
+
+<file path=ppt/slides/slide7.xml><?xml version="1.0" encoding="utf-8"?>
+<p:sld xmlns:a="http://schemas.openxmlformats.org/drawingml/2006/main" xmlns:r="http://schemas.openxmlformats.org/officeDocument/2006/relationships" xmlns:p="http://schemas.openxmlformats.org/presentationml/2006/main">
+  <p:cSld>
+    <p:spTree>
+      <p:nvGrpSpPr>
+        <p:cNvPr id="1" name=""/>
+        <p:cNvGrpSpPr/>
+        <p:nvPr/>
+      </p:nvGrpSpPr>
+      <p:grpSpPr>
+        <a:xfrm>
+          <a:off x="0" y="0"/>
+          <a:ext cx="0" cy="0"/>
+          <a:chOff x="0" y="0"/>
+          <a:chExt cx="0" cy="0"/>
+        </a:xfrm>
+      </p:grpSpPr>
+      <p:sp>
+        <p:nvSpPr>
+          <p:cNvPr id="5" name="Rectangle 4">
+            <a:extLst>
+              <a:ext uri="{FF2B5EF4-FFF2-40B4-BE49-F238E27FC236}">
+                <a16:creationId xmlns:a16="http://schemas.microsoft.com/office/drawing/2014/main" id="{9A459E98-239C-029F-A21D-35AD5BA0E5AA}"/>
+              </a:ext>
+            </a:extLst>
+          </p:cNvPr>
+          <p:cNvSpPr/>
+          <p:nvPr/>
+        </p:nvSpPr>
+        <p:spPr>
+          <a:xfrm>
+            <a:off x="838199" y="2537012"/>
+            <a:ext cx="10000129" cy="2752164"/>
+          </a:xfrm>
+          <a:prstGeom prst="rect">
+            <a:avLst/>
+          </a:prstGeom>
+          <a:solidFill>
+            <a:schemeClr val="tx2">
+              <a:lumMod val="50000"/>
+            </a:schemeClr>
+          </a:solidFill>
+          <a:ln>
+            <a:noFill/>
+          </a:ln>
+        </p:spPr>
+        <p:style>
+          <a:lnRef idx="2">
+            <a:schemeClr val="accent1">
+              <a:shade val="15000"/>
+            </a:schemeClr>
+          </a:lnRef>
+          <a:fillRef idx="1">
+            <a:schemeClr val="accent1"/>
+          </a:fillRef>
+          <a:effectRef idx="0">
+            <a:schemeClr val="accent1"/>
+          </a:effectRef>
+          <a:fontRef idx="minor">
+            <a:schemeClr val="lt1"/>
+          </a:fontRef>
+        </p:style>
+        <p:txBody>
+          <a:bodyPr rtlCol="0" anchor="ctr"/>
+          <a:lstStyle/>
+          <a:p>
+            <a:pPr algn="ctr"/>
+            <a:endParaRPr lang="en-GB"/>
+          </a:p>
+        </p:txBody>
+      </p:sp>
+      <p:sp>
+        <p:nvSpPr>
+          <p:cNvPr id="2" name="Content Placeholder 1">
+            <a:extLst>
+              <a:ext uri="{FF2B5EF4-FFF2-40B4-BE49-F238E27FC236}">
+                <a16:creationId xmlns:a16="http://schemas.microsoft.com/office/drawing/2014/main" id="{7CE57DF7-04D9-275B-E6C3-4F89C91BFAD6}"/>
+              </a:ext>
+            </a:extLst>
+          </p:cNvPr>
+          <p:cNvSpPr>
+            <a:spLocks noGrp="1"/>
+          </p:cNvSpPr>
+          <p:nvPr>
+            <p:ph sz="half" idx="1"/>
+          </p:nvPr>
+        </p:nvSpPr>
+        <p:spPr>
+          <a:xfrm>
+            <a:off x="838199" y="1825625"/>
+            <a:ext cx="10000129" cy="4351338"/>
+          </a:xfrm>
+        </p:spPr>
+        <p:txBody>
+          <a:bodyPr>
+            <a:normAutofit/>
+          </a:bodyPr>
+          <a:lstStyle/>
+          <a:p>
+            <a:pPr>
+              <a:lnSpc>
+                <a:spcPct val="150000"/>
+              </a:lnSpc>
+            </a:pPr>
+            <a:r>
+              <a:rPr lang="en-GB" sz="1600" dirty="0"/>
+              <a:t>For the input “tau” the message type “Float32MultiArray” can be used.</a:t>
+            </a:r>
+          </a:p>
+          <a:p>
+            <a:pPr marL="0" indent="0">
+              <a:buNone/>
+            </a:pPr>
+            <a:endParaRPr lang="en-GB" sz="1200" dirty="0">
+              <a:latin typeface="Consolas" panose="020B0609020204030204" pitchFamily="49" charset="0"/>
+            </a:endParaRPr>
+          </a:p>
+          <a:p>
+            <a:pPr marL="0" indent="0">
+              <a:lnSpc>
+                <a:spcPts val="1425"/>
+              </a:lnSpc>
+              <a:buNone/>
+            </a:pPr>
+            <a:r>
+              <a:rPr lang="en-GB" sz="1200" b="0" dirty="0">
+                <a:solidFill>
+                  <a:srgbClr val="569CD6"/>
+                </a:solidFill>
+                <a:effectLst/>
+                <a:latin typeface="Consolas" panose="020B0609020204030204" pitchFamily="49" charset="0"/>
+              </a:rPr>
+              <a:t>from</a:t>
+            </a:r>
+            <a:r>
+              <a:rPr lang="en-GB" sz="1200" b="0" dirty="0">
+                <a:solidFill>
+                  <a:srgbClr val="D4D4D4"/>
+                </a:solidFill>
+                <a:effectLst/>
+                <a:latin typeface="Consolas" panose="020B0609020204030204" pitchFamily="49" charset="0"/>
+              </a:rPr>
+              <a:t> std_msgs.msg </a:t>
+            </a:r>
+            <a:r>
+              <a:rPr lang="en-GB" sz="1200" b="0" dirty="0">
+                <a:solidFill>
+                  <a:srgbClr val="569CD6"/>
+                </a:solidFill>
+                <a:effectLst/>
+                <a:latin typeface="Consolas" panose="020B0609020204030204" pitchFamily="49" charset="0"/>
+              </a:rPr>
+              <a:t>import</a:t>
+            </a:r>
+            <a:r>
+              <a:rPr lang="en-GB" sz="1200" b="0" dirty="0">
+                <a:solidFill>
+                  <a:srgbClr val="D4D4D4"/>
+                </a:solidFill>
+                <a:effectLst/>
+                <a:latin typeface="Consolas" panose="020B0609020204030204" pitchFamily="49" charset="0"/>
+              </a:rPr>
+              <a:t> Float32MultiArray</a:t>
+            </a:r>
+          </a:p>
+          <a:p>
+            <a:pPr marL="0" indent="0">
+              <a:lnSpc>
+                <a:spcPts val="1425"/>
+              </a:lnSpc>
+              <a:buNone/>
+            </a:pPr>
+            <a:r>
+              <a:rPr lang="en-GB" sz="1200" b="0" dirty="0">
+                <a:solidFill>
+                  <a:srgbClr val="6A9955"/>
+                </a:solidFill>
+                <a:effectLst/>
+                <a:latin typeface="Consolas" panose="020B0609020204030204" pitchFamily="49" charset="0"/>
+              </a:rPr>
+              <a:t># Declare the input Message</a:t>
+            </a:r>
+            <a:endParaRPr lang="en-GB" sz="1200" b="0" dirty="0">
+              <a:solidFill>
+                <a:srgbClr val="D4D4D4"/>
+              </a:solidFill>
+              <a:effectLst/>
+              <a:latin typeface="Consolas" panose="020B0609020204030204" pitchFamily="49" charset="0"/>
+            </a:endParaRPr>
+          </a:p>
+          <a:p>
+            <a:pPr marL="0" indent="0">
+              <a:lnSpc>
+                <a:spcPts val="1425"/>
+              </a:lnSpc>
+              <a:buNone/>
+            </a:pPr>
+            <a:r>
+              <a:rPr lang="en-GB" sz="1200" b="0" dirty="0">
+                <a:solidFill>
+                  <a:srgbClr val="D4D4D4"/>
+                </a:solidFill>
+                <a:effectLst/>
+                <a:latin typeface="Consolas" panose="020B0609020204030204" pitchFamily="49" charset="0"/>
+              </a:rPr>
+              <a:t>tau = Float32MultiArray()</a:t>
+            </a:r>
+          </a:p>
+          <a:p>
+            <a:pPr marL="0" indent="0">
+              <a:lnSpc>
+                <a:spcPct val="100000"/>
+              </a:lnSpc>
+              <a:buNone/>
+            </a:pPr>
+            <a:r>
+              <a:rPr lang="en-GB" sz="1200" b="0" dirty="0">
+                <a:solidFill>
+                  <a:srgbClr val="6A9955"/>
+                </a:solidFill>
+                <a:effectLst/>
+                <a:latin typeface="Consolas" panose="020B0609020204030204" pitchFamily="49" charset="0"/>
+              </a:rPr>
+              <a:t>#Define the callback functions</a:t>
+            </a:r>
+            <a:endParaRPr lang="en-GB" sz="1200" dirty="0">
+              <a:solidFill>
+                <a:srgbClr val="D4D4D4"/>
+              </a:solidFill>
+              <a:latin typeface="Consolas" panose="020B0609020204030204" pitchFamily="49" charset="0"/>
+            </a:endParaRPr>
+          </a:p>
+          <a:p>
+            <a:pPr marL="0" indent="0">
+              <a:lnSpc>
+                <a:spcPct val="100000"/>
+              </a:lnSpc>
+              <a:spcBef>
+                <a:spcPts val="600"/>
+              </a:spcBef>
+              <a:buNone/>
+            </a:pPr>
+            <a:r>
+              <a:rPr lang="en-GB" sz="1200" b="0" dirty="0">
+                <a:solidFill>
+                  <a:srgbClr val="569CD6"/>
+                </a:solidFill>
+                <a:effectLst/>
+                <a:latin typeface="Consolas" panose="020B0609020204030204" pitchFamily="49" charset="0"/>
+              </a:rPr>
+              <a:t>def</a:t>
+            </a:r>
+            <a:r>
+              <a:rPr lang="en-GB" sz="1200" b="0" dirty="0">
+                <a:solidFill>
+                  <a:srgbClr val="D4D4D4"/>
+                </a:solidFill>
+                <a:effectLst/>
+                <a:latin typeface="Consolas" panose="020B0609020204030204" pitchFamily="49" charset="0"/>
+              </a:rPr>
+              <a:t> </a:t>
+            </a:r>
+            <a:r>
+              <a:rPr lang="en-GB" sz="1200" b="0" dirty="0" err="1">
+                <a:solidFill>
+                  <a:srgbClr val="D4D4D4"/>
+                </a:solidFill>
+                <a:effectLst/>
+                <a:latin typeface="Consolas" panose="020B0609020204030204" pitchFamily="49" charset="0"/>
+              </a:rPr>
+              <a:t>input_callback</a:t>
+            </a:r>
+            <a:r>
+              <a:rPr lang="en-GB" sz="1200" b="0" dirty="0">
+                <a:solidFill>
+                  <a:srgbClr val="D4D4D4"/>
+                </a:solidFill>
+                <a:effectLst/>
+                <a:latin typeface="Consolas" panose="020B0609020204030204" pitchFamily="49" charset="0"/>
+              </a:rPr>
+              <a:t>(</a:t>
+            </a:r>
+            <a:r>
+              <a:rPr lang="en-GB" sz="1200" b="0" dirty="0" err="1">
+                <a:solidFill>
+                  <a:srgbClr val="D4D4D4"/>
+                </a:solidFill>
+                <a:effectLst/>
+                <a:latin typeface="Consolas" panose="020B0609020204030204" pitchFamily="49" charset="0"/>
+              </a:rPr>
+              <a:t>self,msg</a:t>
+            </a:r>
+            <a:r>
+              <a:rPr lang="en-GB" sz="1200" b="0" dirty="0">
+                <a:solidFill>
+                  <a:srgbClr val="D4D4D4"/>
+                </a:solidFill>
+                <a:effectLst/>
+                <a:latin typeface="Consolas" panose="020B0609020204030204" pitchFamily="49" charset="0"/>
+              </a:rPr>
+              <a:t>):</a:t>
+            </a:r>
+          </a:p>
+          <a:p>
+            <a:pPr marL="0" indent="0">
+              <a:lnSpc>
+                <a:spcPct val="100000"/>
+              </a:lnSpc>
+              <a:spcBef>
+                <a:spcPts val="600"/>
+              </a:spcBef>
+              <a:buNone/>
+            </a:pPr>
+            <a:r>
+              <a:rPr lang="en-GB" sz="1200" b="0" dirty="0">
+                <a:solidFill>
+                  <a:srgbClr val="D4D4D4"/>
+                </a:solidFill>
+                <a:effectLst/>
+                <a:latin typeface="Consolas" panose="020B0609020204030204" pitchFamily="49" charset="0"/>
+              </a:rPr>
+              <a:t>   tau = </a:t>
+            </a:r>
+            <a:r>
+              <a:rPr lang="en-GB" sz="1200" b="0" dirty="0" err="1">
+                <a:solidFill>
+                  <a:srgbClr val="D4D4D4"/>
+                </a:solidFill>
+                <a:effectLst/>
+                <a:latin typeface="Consolas" panose="020B0609020204030204" pitchFamily="49" charset="0"/>
+              </a:rPr>
+              <a:t>msg</a:t>
+            </a:r>
+            <a:endParaRPr lang="en-GB" sz="1200" b="0" dirty="0">
+              <a:solidFill>
+                <a:srgbClr val="D4D4D4"/>
+              </a:solidFill>
+              <a:effectLst/>
+              <a:latin typeface="Consolas" panose="020B0609020204030204" pitchFamily="49" charset="0"/>
+            </a:endParaRPr>
+          </a:p>
+          <a:p>
+            <a:pPr marL="0" indent="0">
+              <a:lnSpc>
+                <a:spcPct val="100000"/>
+              </a:lnSpc>
+              <a:spcBef>
+                <a:spcPts val="600"/>
+              </a:spcBef>
+              <a:buNone/>
+            </a:pPr>
+            <a:r>
+              <a:rPr lang="en-GB" sz="1200" b="0" dirty="0">
+                <a:solidFill>
+                  <a:srgbClr val="D4D4D4"/>
+                </a:solidFill>
+                <a:effectLst/>
+                <a:latin typeface="Consolas" panose="020B0609020204030204" pitchFamily="49" charset="0"/>
+              </a:rPr>
+              <a:t>   </a:t>
+            </a:r>
+            <a:r>
+              <a:rPr lang="en-GB" sz="1200" b="0" dirty="0" err="1">
+                <a:solidFill>
+                  <a:srgbClr val="D4D4D4"/>
+                </a:solidFill>
+                <a:effectLst/>
+                <a:latin typeface="Consolas" panose="020B0609020204030204" pitchFamily="49" charset="0"/>
+              </a:rPr>
+              <a:t>tau_input</a:t>
+            </a:r>
+            <a:r>
+              <a:rPr lang="en-GB" sz="1200" b="0" dirty="0">
+                <a:solidFill>
+                  <a:srgbClr val="D4D4D4"/>
+                </a:solidFill>
+                <a:effectLst/>
+                <a:latin typeface="Consolas" panose="020B0609020204030204" pitchFamily="49" charset="0"/>
+              </a:rPr>
+              <a:t> = </a:t>
+            </a:r>
+            <a:r>
+              <a:rPr lang="en-GB" sz="1200" b="0" dirty="0" err="1">
+                <a:solidFill>
+                  <a:srgbClr val="D4D4D4"/>
+                </a:solidFill>
+                <a:effectLst/>
+                <a:latin typeface="Consolas" panose="020B0609020204030204" pitchFamily="49" charset="0"/>
+              </a:rPr>
+              <a:t>np.array</a:t>
+            </a:r>
+            <a:r>
+              <a:rPr lang="en-GB" sz="1200" b="0" dirty="0">
+                <a:solidFill>
+                  <a:srgbClr val="D4D4D4"/>
+                </a:solidFill>
+                <a:effectLst/>
+                <a:latin typeface="Consolas" panose="020B0609020204030204" pitchFamily="49" charset="0"/>
+              </a:rPr>
+              <a:t>([[</a:t>
+            </a:r>
+            <a:r>
+              <a:rPr lang="en-GB" sz="1200" b="0" dirty="0" err="1">
+                <a:solidFill>
+                  <a:srgbClr val="569CD6"/>
+                </a:solidFill>
+                <a:effectLst/>
+                <a:latin typeface="Consolas" panose="020B0609020204030204" pitchFamily="49" charset="0"/>
+              </a:rPr>
+              <a:t>self</a:t>
+            </a:r>
+            <a:r>
+              <a:rPr lang="en-GB" sz="1200" b="0" dirty="0" err="1">
+                <a:solidFill>
+                  <a:srgbClr val="D4D4D4"/>
+                </a:solidFill>
+                <a:effectLst/>
+                <a:latin typeface="Consolas" panose="020B0609020204030204" pitchFamily="49" charset="0"/>
+              </a:rPr>
+              <a:t>.tau.data</a:t>
+            </a:r>
+            <a:r>
+              <a:rPr lang="en-GB" sz="1200" b="0" dirty="0">
+                <a:solidFill>
+                  <a:srgbClr val="D4D4D4"/>
+                </a:solidFill>
+                <a:effectLst/>
+                <a:latin typeface="Consolas" panose="020B0609020204030204" pitchFamily="49" charset="0"/>
+              </a:rPr>
+              <a:t>[</a:t>
+            </a:r>
+            <a:r>
+              <a:rPr lang="en-GB" sz="1200" b="0" dirty="0">
+                <a:solidFill>
+                  <a:srgbClr val="B5CEA8"/>
+                </a:solidFill>
+                <a:effectLst/>
+                <a:latin typeface="Consolas" panose="020B0609020204030204" pitchFamily="49" charset="0"/>
+              </a:rPr>
+              <a:t>0</a:t>
+            </a:r>
+            <a:r>
+              <a:rPr lang="en-GB" sz="1200" b="0" dirty="0">
+                <a:solidFill>
+                  <a:srgbClr val="D4D4D4"/>
+                </a:solidFill>
+                <a:effectLst/>
+                <a:latin typeface="Consolas" panose="020B0609020204030204" pitchFamily="49" charset="0"/>
+              </a:rPr>
+              <a:t>]], [</a:t>
+            </a:r>
+            <a:r>
+              <a:rPr lang="en-GB" sz="1200" b="0" dirty="0" err="1">
+                <a:solidFill>
+                  <a:srgbClr val="569CD6"/>
+                </a:solidFill>
+                <a:effectLst/>
+                <a:latin typeface="Consolas" panose="020B0609020204030204" pitchFamily="49" charset="0"/>
+              </a:rPr>
+              <a:t>self</a:t>
+            </a:r>
+            <a:r>
+              <a:rPr lang="en-GB" sz="1200" b="0" dirty="0" err="1">
+                <a:solidFill>
+                  <a:srgbClr val="D4D4D4"/>
+                </a:solidFill>
+                <a:effectLst/>
+                <a:latin typeface="Consolas" panose="020B0609020204030204" pitchFamily="49" charset="0"/>
+              </a:rPr>
+              <a:t>.tau.data</a:t>
+            </a:r>
+            <a:r>
+              <a:rPr lang="en-GB" sz="1200" b="0" dirty="0">
+                <a:solidFill>
+                  <a:srgbClr val="D4D4D4"/>
+                </a:solidFill>
+                <a:effectLst/>
+                <a:latin typeface="Consolas" panose="020B0609020204030204" pitchFamily="49" charset="0"/>
+              </a:rPr>
+              <a:t>[</a:t>
+            </a:r>
+            <a:r>
+              <a:rPr lang="en-GB" sz="1200" b="0" dirty="0">
+                <a:solidFill>
+                  <a:srgbClr val="B5CEA8"/>
+                </a:solidFill>
+                <a:effectLst/>
+                <a:latin typeface="Consolas" panose="020B0609020204030204" pitchFamily="49" charset="0"/>
+              </a:rPr>
+              <a:t>1</a:t>
+            </a:r>
+            <a:r>
+              <a:rPr lang="en-GB" sz="1200" b="0" dirty="0">
+                <a:solidFill>
+                  <a:srgbClr val="D4D4D4"/>
+                </a:solidFill>
+                <a:effectLst/>
+                <a:latin typeface="Consolas" panose="020B0609020204030204" pitchFamily="49" charset="0"/>
+              </a:rPr>
+              <a:t>]]])</a:t>
+            </a:r>
+          </a:p>
+        </p:txBody>
+      </p:sp>
+      <p:sp>
+        <p:nvSpPr>
+          <p:cNvPr id="4" name="Title 3">
+            <a:extLst>
+              <a:ext uri="{FF2B5EF4-FFF2-40B4-BE49-F238E27FC236}">
+                <a16:creationId xmlns:a16="http://schemas.microsoft.com/office/drawing/2014/main" id="{27F4B12A-D8D0-1533-738B-07EDFCF21AED}"/>
+              </a:ext>
+            </a:extLst>
+          </p:cNvPr>
+          <p:cNvSpPr>
+            <a:spLocks noGrp="1"/>
+          </p:cNvSpPr>
+          <p:nvPr>
+            <p:ph type="title"/>
+          </p:nvPr>
+        </p:nvSpPr>
+        <p:spPr/>
+        <p:txBody>
+          <a:bodyPr/>
+          <a:lstStyle/>
+          <a:p>
+            <a:r>
+              <a:rPr lang="en-GB" dirty="0"/>
+              <a:t>Tips and tricks</a:t>
+            </a:r>
+          </a:p>
+        </p:txBody>
+      </p:sp>
+    </p:spTree>
+    <p:extLst>
+      <p:ext uri="{BB962C8B-B14F-4D97-AF65-F5344CB8AC3E}">
+        <p14:creationId xmlns:p14="http://schemas.microsoft.com/office/powerpoint/2010/main" val="273125395"/>
+      </p:ext>
+    </p:extLst>
+  </p:cSld>
+  <p:clrMapOvr>
+    <a:masterClrMapping/>
+  </p:clrMapOvr>
+</p:sld>
+</file>
+
+<file path=ppt/slides/slide8.xml><?xml version="1.0" encoding="utf-8"?>
+<p:sld xmlns:a="http://schemas.openxmlformats.org/drawingml/2006/main" xmlns:r="http://schemas.openxmlformats.org/officeDocument/2006/relationships" xmlns:p="http://schemas.openxmlformats.org/presentationml/2006/main">
+  <p:cSld>
+    <p:spTree>
+      <p:nvGrpSpPr>
+        <p:cNvPr id="1" name="">
+          <a:extLst>
+            <a:ext uri="{FF2B5EF4-FFF2-40B4-BE49-F238E27FC236}">
+              <a16:creationId xmlns:a16="http://schemas.microsoft.com/office/drawing/2014/main" id="{253F589C-E730-7FF9-2BA1-8A7B5AEAB270}"/>
+            </a:ext>
+          </a:extLst>
+        </p:cNvPr>
+        <p:cNvGrpSpPr/>
+        <p:nvPr/>
+      </p:nvGrpSpPr>
+      <p:grpSpPr>
+        <a:xfrm>
+          <a:off x="0" y="0"/>
+          <a:ext cx="0" cy="0"/>
+          <a:chOff x="0" y="0"/>
+          <a:chExt cx="0" cy="0"/>
+        </a:xfrm>
+      </p:grpSpPr>
+      <p:sp>
+        <p:nvSpPr>
+          <p:cNvPr id="5" name="Rectangle 4">
+            <a:extLst>
+              <a:ext uri="{FF2B5EF4-FFF2-40B4-BE49-F238E27FC236}">
+                <a16:creationId xmlns:a16="http://schemas.microsoft.com/office/drawing/2014/main" id="{7AD2E1D2-FE14-2338-FB76-4FCAF831BDC6}"/>
+              </a:ext>
+            </a:extLst>
+          </p:cNvPr>
+          <p:cNvSpPr/>
+          <p:nvPr/>
+        </p:nvSpPr>
+        <p:spPr>
+          <a:xfrm>
+            <a:off x="838199" y="2366682"/>
+            <a:ext cx="10000129" cy="4491318"/>
+          </a:xfrm>
+          <a:prstGeom prst="rect">
+            <a:avLst/>
+          </a:prstGeom>
+          <a:solidFill>
+            <a:schemeClr val="tx2">
+              <a:lumMod val="50000"/>
+            </a:schemeClr>
+          </a:solidFill>
+          <a:ln>
+            <a:noFill/>
+          </a:ln>
+        </p:spPr>
+        <p:style>
+          <a:lnRef idx="2">
+            <a:schemeClr val="accent1">
+              <a:shade val="15000"/>
+            </a:schemeClr>
+          </a:lnRef>
+          <a:fillRef idx="1">
+            <a:schemeClr val="accent1"/>
+          </a:fillRef>
+          <a:effectRef idx="0">
+            <a:schemeClr val="accent1"/>
+          </a:effectRef>
+          <a:fontRef idx="minor">
+            <a:schemeClr val="lt1"/>
+          </a:fontRef>
+        </p:style>
+        <p:txBody>
+          <a:bodyPr rtlCol="0" anchor="ctr"/>
+          <a:lstStyle/>
+          <a:p>
+            <a:pPr algn="ctr"/>
+            <a:endParaRPr lang="en-GB"/>
+          </a:p>
+        </p:txBody>
+      </p:sp>
+      <p:sp>
+        <p:nvSpPr>
+          <p:cNvPr id="2" name="Content Placeholder 1">
+            <a:extLst>
+              <a:ext uri="{FF2B5EF4-FFF2-40B4-BE49-F238E27FC236}">
+                <a16:creationId xmlns:a16="http://schemas.microsoft.com/office/drawing/2014/main" id="{A6F19FAD-1F2E-06B1-36CC-9B71714B52EB}"/>
+              </a:ext>
+            </a:extLst>
+          </p:cNvPr>
+          <p:cNvSpPr>
+            <a:spLocks noGrp="1"/>
+          </p:cNvSpPr>
+          <p:nvPr>
+            <p:ph sz="half" idx="1"/>
+          </p:nvPr>
+        </p:nvSpPr>
+        <p:spPr>
+          <a:xfrm>
+            <a:off x="838199" y="1825624"/>
+            <a:ext cx="10000129" cy="5032375"/>
+          </a:xfrm>
+        </p:spPr>
+        <p:txBody>
+          <a:bodyPr>
+            <a:normAutofit lnSpcReduction="10000"/>
+          </a:bodyPr>
+          <a:lstStyle/>
+          <a:p>
+            <a:pPr>
+              <a:lnSpc>
+                <a:spcPct val="150000"/>
+              </a:lnSpc>
+            </a:pPr>
+            <a:r>
+              <a:rPr lang="en-GB" sz="1600" dirty="0"/>
+              <a:t>For the output “</a:t>
+            </a:r>
+            <a:r>
+              <a:rPr lang="en-GB" sz="1600" dirty="0" err="1"/>
+              <a:t>joint_states</a:t>
+            </a:r>
+            <a:r>
+              <a:rPr lang="en-GB" sz="1600" dirty="0"/>
+              <a:t>” the message type “</a:t>
+            </a:r>
+            <a:r>
+              <a:rPr lang="en-GB" sz="1600" dirty="0" err="1"/>
+              <a:t>JointState</a:t>
+            </a:r>
+            <a:r>
+              <a:rPr lang="en-GB" sz="1600" dirty="0"/>
+              <a:t>” can be used.</a:t>
+            </a:r>
+          </a:p>
+          <a:p>
+            <a:pPr marL="0" indent="0">
+              <a:lnSpc>
+                <a:spcPts val="1425"/>
+              </a:lnSpc>
+              <a:buNone/>
+            </a:pPr>
+            <a:endParaRPr lang="en-GB" sz="1200" dirty="0">
+              <a:latin typeface="Consolas" panose="020B0609020204030204" pitchFamily="49" charset="0"/>
+            </a:endParaRPr>
+          </a:p>
+          <a:p>
+            <a:pPr marL="0" indent="0">
+              <a:lnSpc>
+                <a:spcPts val="1425"/>
+              </a:lnSpc>
+              <a:buNone/>
+            </a:pPr>
+            <a:r>
+              <a:rPr lang="en-GB" sz="1400" b="0" dirty="0">
+                <a:solidFill>
+                  <a:srgbClr val="569CD6"/>
+                </a:solidFill>
+                <a:effectLst/>
+                <a:latin typeface="Consolas" panose="020B0609020204030204" pitchFamily="49" charset="0"/>
+              </a:rPr>
+              <a:t>from</a:t>
+            </a:r>
+            <a:r>
+              <a:rPr lang="en-GB" sz="1400" b="0" dirty="0">
+                <a:solidFill>
+                  <a:srgbClr val="D4D4D4"/>
+                </a:solidFill>
+                <a:effectLst/>
+                <a:latin typeface="Consolas" panose="020B0609020204030204" pitchFamily="49" charset="0"/>
+              </a:rPr>
+              <a:t> sensor_msgs.msg </a:t>
+            </a:r>
+            <a:r>
+              <a:rPr lang="en-GB" sz="1400" b="0" dirty="0">
+                <a:solidFill>
+                  <a:srgbClr val="569CD6"/>
+                </a:solidFill>
+                <a:effectLst/>
+                <a:latin typeface="Consolas" panose="020B0609020204030204" pitchFamily="49" charset="0"/>
+              </a:rPr>
+              <a:t>import</a:t>
+            </a:r>
+            <a:r>
+              <a:rPr lang="en-GB" sz="1400" b="0" dirty="0">
+                <a:solidFill>
+                  <a:srgbClr val="D4D4D4"/>
+                </a:solidFill>
+                <a:effectLst/>
+                <a:latin typeface="Consolas" panose="020B0609020204030204" pitchFamily="49" charset="0"/>
+              </a:rPr>
+              <a:t> </a:t>
+            </a:r>
+            <a:r>
+              <a:rPr lang="en-GB" sz="1400" b="0" dirty="0" err="1">
+                <a:solidFill>
+                  <a:srgbClr val="D4D4D4"/>
+                </a:solidFill>
+                <a:effectLst/>
+                <a:latin typeface="Consolas" panose="020B0609020204030204" pitchFamily="49" charset="0"/>
+              </a:rPr>
+              <a:t>JointState</a:t>
+            </a:r>
+            <a:endParaRPr lang="en-GB" sz="1400" b="0" dirty="0">
+              <a:solidFill>
+                <a:srgbClr val="D4D4D4"/>
+              </a:solidFill>
+              <a:effectLst/>
+              <a:latin typeface="Consolas" panose="020B0609020204030204" pitchFamily="49" charset="0"/>
+            </a:endParaRPr>
+          </a:p>
+          <a:p>
+            <a:pPr marL="0" indent="0">
+              <a:lnSpc>
+                <a:spcPct val="120000"/>
+              </a:lnSpc>
+              <a:spcBef>
+                <a:spcPts val="0"/>
+              </a:spcBef>
+              <a:buNone/>
+            </a:pPr>
+            <a:endParaRPr lang="en-GB" sz="1400" b="0" dirty="0">
+              <a:solidFill>
+                <a:srgbClr val="6A9955"/>
+              </a:solidFill>
+              <a:effectLst/>
+              <a:latin typeface="Consolas" panose="020B0609020204030204" pitchFamily="49" charset="0"/>
+            </a:endParaRPr>
+          </a:p>
+          <a:p>
+            <a:pPr marL="0" indent="0">
+              <a:lnSpc>
+                <a:spcPct val="120000"/>
+              </a:lnSpc>
+              <a:spcBef>
+                <a:spcPts val="0"/>
+              </a:spcBef>
+              <a:buNone/>
+            </a:pPr>
+            <a:r>
+              <a:rPr lang="en-GB" sz="1400" b="0" dirty="0">
+                <a:solidFill>
+                  <a:srgbClr val="6A9955"/>
+                </a:solidFill>
+                <a:effectLst/>
+                <a:latin typeface="Consolas" panose="020B0609020204030204" pitchFamily="49" charset="0"/>
+              </a:rPr>
+              <a:t># Declare the  process output message</a:t>
+            </a:r>
+            <a:endParaRPr lang="en-GB" sz="1400" dirty="0">
+              <a:solidFill>
+                <a:srgbClr val="D4D4D4"/>
+              </a:solidFill>
+              <a:latin typeface="Consolas" panose="020B0609020204030204" pitchFamily="49" charset="0"/>
+            </a:endParaRPr>
+          </a:p>
+          <a:p>
+            <a:pPr marL="0" indent="0">
+              <a:lnSpc>
+                <a:spcPct val="120000"/>
+              </a:lnSpc>
+              <a:spcBef>
+                <a:spcPts val="0"/>
+              </a:spcBef>
+              <a:buNone/>
+            </a:pPr>
+            <a:r>
+              <a:rPr lang="en-GB" sz="1400" b="0" dirty="0" err="1">
+                <a:solidFill>
+                  <a:srgbClr val="D4D4D4"/>
+                </a:solidFill>
+                <a:effectLst/>
+                <a:latin typeface="Consolas" panose="020B0609020204030204" pitchFamily="49" charset="0"/>
+              </a:rPr>
+              <a:t>robotJoints</a:t>
+            </a:r>
+            <a:r>
+              <a:rPr lang="en-GB" sz="1400" b="0" dirty="0">
+                <a:solidFill>
+                  <a:srgbClr val="D4D4D4"/>
+                </a:solidFill>
+                <a:effectLst/>
+                <a:latin typeface="Consolas" panose="020B0609020204030204" pitchFamily="49" charset="0"/>
+              </a:rPr>
+              <a:t> = </a:t>
+            </a:r>
+            <a:r>
+              <a:rPr lang="en-GB" sz="1400" b="0" dirty="0" err="1">
+                <a:solidFill>
+                  <a:srgbClr val="D4D4D4"/>
+                </a:solidFill>
+                <a:effectLst/>
+                <a:latin typeface="Consolas" panose="020B0609020204030204" pitchFamily="49" charset="0"/>
+              </a:rPr>
+              <a:t>JointState</a:t>
+            </a:r>
+            <a:r>
+              <a:rPr lang="en-GB" sz="1400" b="0" dirty="0">
+                <a:solidFill>
+                  <a:srgbClr val="D4D4D4"/>
+                </a:solidFill>
+                <a:effectLst/>
+                <a:latin typeface="Consolas" panose="020B0609020204030204" pitchFamily="49" charset="0"/>
+              </a:rPr>
+              <a:t>()</a:t>
+            </a:r>
+          </a:p>
+          <a:p>
+            <a:pPr marL="0" indent="0">
+              <a:lnSpc>
+                <a:spcPct val="120000"/>
+              </a:lnSpc>
+              <a:spcBef>
+                <a:spcPts val="0"/>
+              </a:spcBef>
+              <a:buNone/>
+            </a:pPr>
+            <a:r>
+              <a:rPr lang="en-GB" sz="1400" b="0" dirty="0" err="1">
+                <a:solidFill>
+                  <a:srgbClr val="D4D4D4"/>
+                </a:solidFill>
+                <a:effectLst/>
+                <a:latin typeface="Consolas" panose="020B0609020204030204" pitchFamily="49" charset="0"/>
+              </a:rPr>
+              <a:t>robotJoints.header.frame_id</a:t>
+            </a:r>
+            <a:r>
+              <a:rPr lang="en-GB" sz="1400" b="0" dirty="0">
+                <a:solidFill>
+                  <a:srgbClr val="D4D4D4"/>
+                </a:solidFill>
+                <a:effectLst/>
+                <a:latin typeface="Consolas" panose="020B0609020204030204" pitchFamily="49" charset="0"/>
+              </a:rPr>
+              <a:t> = </a:t>
+            </a:r>
+            <a:r>
+              <a:rPr lang="en-GB" sz="1400" b="0" dirty="0">
+                <a:solidFill>
+                  <a:srgbClr val="CE9178"/>
+                </a:solidFill>
+                <a:effectLst/>
+                <a:latin typeface="Consolas" panose="020B0609020204030204" pitchFamily="49" charset="0"/>
+              </a:rPr>
+              <a:t>"base"</a:t>
+            </a:r>
+            <a:endParaRPr lang="en-GB" sz="1400" b="0" dirty="0">
+              <a:solidFill>
+                <a:srgbClr val="D4D4D4"/>
+              </a:solidFill>
+              <a:effectLst/>
+              <a:latin typeface="Consolas" panose="020B0609020204030204" pitchFamily="49" charset="0"/>
+            </a:endParaRPr>
+          </a:p>
+          <a:p>
+            <a:pPr marL="0" indent="0">
+              <a:lnSpc>
+                <a:spcPct val="120000"/>
+              </a:lnSpc>
+              <a:spcBef>
+                <a:spcPts val="0"/>
+              </a:spcBef>
+              <a:buNone/>
+            </a:pPr>
+            <a:r>
+              <a:rPr lang="en-GB" sz="1400" b="0" dirty="0" err="1">
+                <a:solidFill>
+                  <a:srgbClr val="D4D4D4"/>
+                </a:solidFill>
+                <a:effectLst/>
+                <a:latin typeface="Consolas" panose="020B0609020204030204" pitchFamily="49" charset="0"/>
+              </a:rPr>
+              <a:t>robotJoints.header.stamp</a:t>
+            </a:r>
+            <a:r>
+              <a:rPr lang="en-GB" sz="1400" b="0" dirty="0">
+                <a:solidFill>
+                  <a:srgbClr val="D4D4D4"/>
+                </a:solidFill>
+                <a:effectLst/>
+                <a:latin typeface="Consolas" panose="020B0609020204030204" pitchFamily="49" charset="0"/>
+              </a:rPr>
+              <a:t> = </a:t>
+            </a:r>
+            <a:r>
+              <a:rPr lang="en-GB" sz="1400" b="0" dirty="0" err="1">
+                <a:solidFill>
+                  <a:srgbClr val="D4D4D4"/>
+                </a:solidFill>
+                <a:effectLst/>
+                <a:latin typeface="Consolas" panose="020B0609020204030204" pitchFamily="49" charset="0"/>
+              </a:rPr>
+              <a:t>rospy.Time.now</a:t>
+            </a:r>
+            <a:r>
+              <a:rPr lang="en-GB" sz="1400" b="0" dirty="0">
+                <a:solidFill>
+                  <a:srgbClr val="D4D4D4"/>
+                </a:solidFill>
+                <a:effectLst/>
+                <a:latin typeface="Consolas" panose="020B0609020204030204" pitchFamily="49" charset="0"/>
+              </a:rPr>
+              <a:t>()</a:t>
+            </a:r>
+          </a:p>
+          <a:p>
+            <a:pPr marL="0" indent="0">
+              <a:lnSpc>
+                <a:spcPct val="120000"/>
+              </a:lnSpc>
+              <a:spcBef>
+                <a:spcPts val="0"/>
+              </a:spcBef>
+              <a:buNone/>
+            </a:pPr>
+            <a:r>
+              <a:rPr lang="en-GB" sz="1400" b="0" dirty="0" err="1">
+                <a:solidFill>
+                  <a:srgbClr val="D4D4D4"/>
+                </a:solidFill>
+                <a:effectLst/>
+                <a:latin typeface="Consolas" panose="020B0609020204030204" pitchFamily="49" charset="0"/>
+              </a:rPr>
+              <a:t>robotJoints.name.extend</a:t>
+            </a:r>
+            <a:r>
+              <a:rPr lang="en-GB" sz="1400" b="0" dirty="0">
+                <a:solidFill>
+                  <a:srgbClr val="D4D4D4"/>
+                </a:solidFill>
+                <a:effectLst/>
+                <a:latin typeface="Consolas" panose="020B0609020204030204" pitchFamily="49" charset="0"/>
+              </a:rPr>
+              <a:t>([</a:t>
+            </a:r>
+            <a:r>
+              <a:rPr lang="en-GB" sz="1400" b="0" dirty="0">
+                <a:solidFill>
+                  <a:srgbClr val="CE9178"/>
+                </a:solidFill>
+                <a:effectLst/>
+                <a:latin typeface="Consolas" panose="020B0609020204030204" pitchFamily="49" charset="0"/>
+              </a:rPr>
+              <a:t>"joint2"</a:t>
+            </a:r>
+            <a:r>
+              <a:rPr lang="en-GB" sz="1400" b="0" dirty="0">
+                <a:solidFill>
+                  <a:srgbClr val="D4D4D4"/>
+                </a:solidFill>
+                <a:effectLst/>
+                <a:latin typeface="Consolas" panose="020B0609020204030204" pitchFamily="49" charset="0"/>
+              </a:rPr>
+              <a:t>, </a:t>
+            </a:r>
+            <a:r>
+              <a:rPr lang="en-GB" sz="1400" b="0" dirty="0">
+                <a:solidFill>
+                  <a:srgbClr val="CE9178"/>
+                </a:solidFill>
+                <a:effectLst/>
+                <a:latin typeface="Consolas" panose="020B0609020204030204" pitchFamily="49" charset="0"/>
+              </a:rPr>
+              <a:t>"joint3"</a:t>
+            </a:r>
+            <a:r>
+              <a:rPr lang="en-GB" sz="1400" b="0" dirty="0">
+                <a:solidFill>
+                  <a:srgbClr val="D4D4D4"/>
+                </a:solidFill>
+                <a:effectLst/>
+                <a:latin typeface="Consolas" panose="020B0609020204030204" pitchFamily="49" charset="0"/>
+              </a:rPr>
+              <a:t>])</a:t>
+            </a:r>
+          </a:p>
+          <a:p>
+            <a:pPr marL="0" indent="0">
+              <a:lnSpc>
+                <a:spcPct val="120000"/>
+              </a:lnSpc>
+              <a:spcBef>
+                <a:spcPts val="0"/>
+              </a:spcBef>
+              <a:buNone/>
+            </a:pPr>
+            <a:r>
+              <a:rPr lang="en-GB" sz="1400" b="0" dirty="0" err="1">
+                <a:solidFill>
+                  <a:srgbClr val="D4D4D4"/>
+                </a:solidFill>
+                <a:effectLst/>
+                <a:latin typeface="Consolas" panose="020B0609020204030204" pitchFamily="49" charset="0"/>
+              </a:rPr>
+              <a:t>robotJoints.position.extend</a:t>
+            </a:r>
+            <a:r>
+              <a:rPr lang="en-GB" sz="1400" b="0" dirty="0">
+                <a:solidFill>
+                  <a:srgbClr val="D4D4D4"/>
+                </a:solidFill>
+                <a:effectLst/>
+                <a:latin typeface="Consolas" panose="020B0609020204030204" pitchFamily="49" charset="0"/>
+              </a:rPr>
+              <a:t>([</a:t>
+            </a:r>
+            <a:r>
+              <a:rPr lang="en-GB" sz="1400" b="0" dirty="0">
+                <a:solidFill>
+                  <a:srgbClr val="B5CEA8"/>
+                </a:solidFill>
+                <a:effectLst/>
+                <a:latin typeface="Consolas" panose="020B0609020204030204" pitchFamily="49" charset="0"/>
+              </a:rPr>
+              <a:t>0.0</a:t>
+            </a:r>
+            <a:r>
+              <a:rPr lang="en-GB" sz="1400" b="0" dirty="0">
+                <a:solidFill>
+                  <a:srgbClr val="D4D4D4"/>
+                </a:solidFill>
+                <a:effectLst/>
+                <a:latin typeface="Consolas" panose="020B0609020204030204" pitchFamily="49" charset="0"/>
+              </a:rPr>
+              <a:t>, </a:t>
+            </a:r>
+            <a:r>
+              <a:rPr lang="en-GB" sz="1400" b="0" dirty="0">
+                <a:solidFill>
+                  <a:srgbClr val="B5CEA8"/>
+                </a:solidFill>
+                <a:effectLst/>
+                <a:latin typeface="Consolas" panose="020B0609020204030204" pitchFamily="49" charset="0"/>
+              </a:rPr>
+              <a:t>0.0</a:t>
+            </a:r>
+            <a:r>
+              <a:rPr lang="en-GB" sz="1400" b="0" dirty="0">
+                <a:solidFill>
+                  <a:srgbClr val="D4D4D4"/>
+                </a:solidFill>
+                <a:effectLst/>
+                <a:latin typeface="Consolas" panose="020B0609020204030204" pitchFamily="49" charset="0"/>
+              </a:rPr>
+              <a:t>])</a:t>
+            </a:r>
+          </a:p>
+          <a:p>
+            <a:pPr marL="0" indent="0">
+              <a:lnSpc>
+                <a:spcPct val="120000"/>
+              </a:lnSpc>
+              <a:spcBef>
+                <a:spcPts val="0"/>
+              </a:spcBef>
+              <a:buNone/>
+            </a:pPr>
+            <a:r>
+              <a:rPr lang="en-GB" sz="1400" b="0" dirty="0" err="1">
+                <a:solidFill>
+                  <a:srgbClr val="D4D4D4"/>
+                </a:solidFill>
+                <a:effectLst/>
+                <a:latin typeface="Consolas" panose="020B0609020204030204" pitchFamily="49" charset="0"/>
+              </a:rPr>
+              <a:t>robotJoints.velocity.extend</a:t>
+            </a:r>
+            <a:r>
+              <a:rPr lang="en-GB" sz="1400" b="0" dirty="0">
+                <a:solidFill>
+                  <a:srgbClr val="D4D4D4"/>
+                </a:solidFill>
+                <a:effectLst/>
+                <a:latin typeface="Consolas" panose="020B0609020204030204" pitchFamily="49" charset="0"/>
+              </a:rPr>
+              <a:t>([</a:t>
+            </a:r>
+            <a:r>
+              <a:rPr lang="en-GB" sz="1400" b="0" dirty="0">
+                <a:solidFill>
+                  <a:srgbClr val="B5CEA8"/>
+                </a:solidFill>
+                <a:effectLst/>
+                <a:latin typeface="Consolas" panose="020B0609020204030204" pitchFamily="49" charset="0"/>
+              </a:rPr>
+              <a:t>0.0</a:t>
+            </a:r>
+            <a:r>
+              <a:rPr lang="en-GB" sz="1400" b="0" dirty="0">
+                <a:solidFill>
+                  <a:srgbClr val="D4D4D4"/>
+                </a:solidFill>
+                <a:effectLst/>
+                <a:latin typeface="Consolas" panose="020B0609020204030204" pitchFamily="49" charset="0"/>
+              </a:rPr>
+              <a:t>, </a:t>
+            </a:r>
+            <a:r>
+              <a:rPr lang="en-GB" sz="1400" b="0" dirty="0">
+                <a:solidFill>
+                  <a:srgbClr val="B5CEA8"/>
+                </a:solidFill>
+                <a:effectLst/>
+                <a:latin typeface="Consolas" panose="020B0609020204030204" pitchFamily="49" charset="0"/>
+              </a:rPr>
+              <a:t>0.0</a:t>
+            </a:r>
+            <a:r>
+              <a:rPr lang="en-GB" sz="1400" b="0" dirty="0">
+                <a:solidFill>
+                  <a:srgbClr val="D4D4D4"/>
+                </a:solidFill>
+                <a:effectLst/>
+                <a:latin typeface="Consolas" panose="020B0609020204030204" pitchFamily="49" charset="0"/>
+              </a:rPr>
+              <a:t>])</a:t>
+            </a:r>
+          </a:p>
+          <a:p>
+            <a:pPr marL="0" indent="0">
+              <a:lnSpc>
+                <a:spcPct val="120000"/>
+              </a:lnSpc>
+              <a:spcBef>
+                <a:spcPts val="0"/>
+              </a:spcBef>
+              <a:buNone/>
+            </a:pPr>
+            <a:r>
+              <a:rPr lang="en-GB" sz="1400" b="0" dirty="0" err="1">
+                <a:solidFill>
+                  <a:srgbClr val="D4D4D4"/>
+                </a:solidFill>
+                <a:effectLst/>
+                <a:latin typeface="Consolas" panose="020B0609020204030204" pitchFamily="49" charset="0"/>
+              </a:rPr>
+              <a:t>robotJoints.effort.extend</a:t>
+            </a:r>
+            <a:r>
+              <a:rPr lang="en-GB" sz="1400" b="0" dirty="0">
+                <a:solidFill>
+                  <a:srgbClr val="D4D4D4"/>
+                </a:solidFill>
+                <a:effectLst/>
+                <a:latin typeface="Consolas" panose="020B0609020204030204" pitchFamily="49" charset="0"/>
+              </a:rPr>
+              <a:t>([</a:t>
+            </a:r>
+            <a:r>
+              <a:rPr lang="en-GB" sz="1400" b="0" dirty="0">
+                <a:solidFill>
+                  <a:srgbClr val="B5CEA8"/>
+                </a:solidFill>
+                <a:effectLst/>
+                <a:latin typeface="Consolas" panose="020B0609020204030204" pitchFamily="49" charset="0"/>
+              </a:rPr>
+              <a:t>0.0</a:t>
+            </a:r>
+            <a:r>
+              <a:rPr lang="en-GB" sz="1400" b="0" dirty="0">
+                <a:solidFill>
+                  <a:srgbClr val="D4D4D4"/>
+                </a:solidFill>
+                <a:effectLst/>
+                <a:latin typeface="Consolas" panose="020B0609020204030204" pitchFamily="49" charset="0"/>
+              </a:rPr>
+              <a:t>, </a:t>
+            </a:r>
+            <a:r>
+              <a:rPr lang="en-GB" sz="1400" b="0" dirty="0">
+                <a:solidFill>
+                  <a:srgbClr val="B5CEA8"/>
+                </a:solidFill>
+                <a:effectLst/>
+                <a:latin typeface="Consolas" panose="020B0609020204030204" pitchFamily="49" charset="0"/>
+              </a:rPr>
+              <a:t>0.0</a:t>
+            </a:r>
+            <a:r>
+              <a:rPr lang="en-GB" sz="1400" b="0" dirty="0">
+                <a:solidFill>
+                  <a:srgbClr val="D4D4D4"/>
+                </a:solidFill>
+                <a:effectLst/>
+                <a:latin typeface="Consolas" panose="020B0609020204030204" pitchFamily="49" charset="0"/>
+              </a:rPr>
+              <a:t>])</a:t>
+            </a:r>
+          </a:p>
+          <a:p>
+            <a:pPr marL="0" indent="0">
+              <a:lnSpc>
+                <a:spcPts val="1425"/>
+              </a:lnSpc>
+              <a:buNone/>
+            </a:pPr>
+            <a:r>
+              <a:rPr lang="en-GB" sz="1400" b="0" dirty="0">
+                <a:solidFill>
+                  <a:srgbClr val="6A9955"/>
+                </a:solidFill>
+                <a:effectLst/>
+                <a:latin typeface="Consolas" panose="020B0609020204030204" pitchFamily="49" charset="0"/>
+              </a:rPr>
+              <a:t>#Message to publish</a:t>
+            </a:r>
+            <a:endParaRPr lang="en-GB" sz="1400" b="0" dirty="0">
+              <a:solidFill>
+                <a:srgbClr val="D4D4D4"/>
+              </a:solidFill>
+              <a:effectLst/>
+              <a:latin typeface="Consolas" panose="020B0609020204030204" pitchFamily="49" charset="0"/>
+            </a:endParaRPr>
+          </a:p>
+          <a:p>
+            <a:pPr marL="0" indent="0">
+              <a:lnSpc>
+                <a:spcPts val="1425"/>
+              </a:lnSpc>
+              <a:buNone/>
+            </a:pPr>
+            <a:r>
+              <a:rPr lang="en-GB" sz="1400" b="0" dirty="0" err="1">
+                <a:solidFill>
+                  <a:srgbClr val="D4D4D4"/>
+                </a:solidFill>
+                <a:effectLst/>
+                <a:latin typeface="Consolas" panose="020B0609020204030204" pitchFamily="49" charset="0"/>
+              </a:rPr>
+              <a:t>robotJoints.header.stamp</a:t>
+            </a:r>
+            <a:r>
+              <a:rPr lang="en-GB" sz="1400" b="0" dirty="0">
+                <a:solidFill>
+                  <a:srgbClr val="D4D4D4"/>
+                </a:solidFill>
+                <a:effectLst/>
+                <a:latin typeface="Consolas" panose="020B0609020204030204" pitchFamily="49" charset="0"/>
+              </a:rPr>
+              <a:t> = </a:t>
+            </a:r>
+            <a:r>
+              <a:rPr lang="en-GB" sz="1400" b="0" dirty="0" err="1">
+                <a:solidFill>
+                  <a:srgbClr val="D4D4D4"/>
+                </a:solidFill>
+                <a:effectLst/>
+                <a:latin typeface="Consolas" panose="020B0609020204030204" pitchFamily="49" charset="0"/>
+              </a:rPr>
+              <a:t>rospy.Time.now</a:t>
+            </a:r>
+            <a:r>
+              <a:rPr lang="en-GB" sz="1400" b="0" dirty="0">
+                <a:solidFill>
+                  <a:srgbClr val="D4D4D4"/>
+                </a:solidFill>
+                <a:effectLst/>
+                <a:latin typeface="Consolas" panose="020B0609020204030204" pitchFamily="49" charset="0"/>
+              </a:rPr>
+              <a:t>()</a:t>
+            </a:r>
+          </a:p>
+          <a:p>
+            <a:pPr marL="0" indent="0">
+              <a:lnSpc>
+                <a:spcPts val="1425"/>
+              </a:lnSpc>
+              <a:buNone/>
+            </a:pPr>
+            <a:r>
+              <a:rPr lang="en-GB" sz="1400" b="0" dirty="0" err="1">
+                <a:solidFill>
+                  <a:srgbClr val="D4D4D4"/>
+                </a:solidFill>
+                <a:effectLst/>
+                <a:latin typeface="Consolas" panose="020B0609020204030204" pitchFamily="49" charset="0"/>
+              </a:rPr>
+              <a:t>robotJoints.position</a:t>
+            </a:r>
+            <a:r>
+              <a:rPr lang="en-GB" sz="1400" b="0" dirty="0">
+                <a:solidFill>
+                  <a:srgbClr val="D4D4D4"/>
+                </a:solidFill>
+                <a:effectLst/>
+                <a:latin typeface="Consolas" panose="020B0609020204030204" pitchFamily="49" charset="0"/>
+              </a:rPr>
+              <a:t> = [0.0 , 0.0]</a:t>
+            </a:r>
+          </a:p>
+          <a:p>
+            <a:pPr marL="0" indent="0">
+              <a:lnSpc>
+                <a:spcPts val="1425"/>
+              </a:lnSpc>
+              <a:buNone/>
+            </a:pPr>
+            <a:r>
+              <a:rPr lang="en-GB" sz="1400" b="0" dirty="0" err="1">
+                <a:solidFill>
+                  <a:srgbClr val="D4D4D4"/>
+                </a:solidFill>
+                <a:effectLst/>
+                <a:latin typeface="Consolas" panose="020B0609020204030204" pitchFamily="49" charset="0"/>
+              </a:rPr>
+              <a:t>robotJoints.velocity</a:t>
+            </a:r>
+            <a:r>
+              <a:rPr lang="en-GB" sz="1400" b="0" dirty="0">
+                <a:solidFill>
+                  <a:srgbClr val="D4D4D4"/>
+                </a:solidFill>
+                <a:effectLst/>
+                <a:latin typeface="Consolas" panose="020B0609020204030204" pitchFamily="49" charset="0"/>
+              </a:rPr>
+              <a:t> = [0.0 , 0.0]</a:t>
+            </a:r>
+          </a:p>
+          <a:p>
+            <a:pPr marL="0" indent="0">
+              <a:lnSpc>
+                <a:spcPts val="1425"/>
+              </a:lnSpc>
+              <a:buNone/>
+            </a:pPr>
+            <a:r>
+              <a:rPr lang="en-GB" sz="1400" b="0" dirty="0">
+                <a:solidFill>
+                  <a:srgbClr val="6A9955"/>
+                </a:solidFill>
+                <a:effectLst/>
+                <a:latin typeface="Consolas" panose="020B0609020204030204" pitchFamily="49" charset="0"/>
+              </a:rPr>
+              <a:t>#Publish message</a:t>
+            </a:r>
+            <a:endParaRPr lang="en-GB" sz="1400" b="0" dirty="0">
+              <a:solidFill>
+                <a:srgbClr val="D4D4D4"/>
+              </a:solidFill>
+              <a:effectLst/>
+              <a:latin typeface="Consolas" panose="020B0609020204030204" pitchFamily="49" charset="0"/>
+            </a:endParaRPr>
+          </a:p>
+          <a:p>
+            <a:pPr marL="0" indent="0">
+              <a:lnSpc>
+                <a:spcPts val="1425"/>
+              </a:lnSpc>
+              <a:buNone/>
+            </a:pPr>
+            <a:r>
+              <a:rPr lang="en-GB" sz="1400" b="0" dirty="0" err="1">
+                <a:solidFill>
+                  <a:srgbClr val="D4D4D4"/>
+                </a:solidFill>
+                <a:effectLst/>
+                <a:latin typeface="Consolas" panose="020B0609020204030204" pitchFamily="49" charset="0"/>
+              </a:rPr>
+              <a:t>state_pub.publish</a:t>
+            </a:r>
+            <a:r>
+              <a:rPr lang="en-GB" sz="1400" b="0" dirty="0">
+                <a:solidFill>
+                  <a:srgbClr val="D4D4D4"/>
+                </a:solidFill>
+                <a:effectLst/>
+                <a:latin typeface="Consolas" panose="020B0609020204030204" pitchFamily="49" charset="0"/>
+              </a:rPr>
+              <a:t>(</a:t>
+            </a:r>
+            <a:r>
+              <a:rPr lang="en-GB" sz="1400" b="0" dirty="0" err="1">
+                <a:solidFill>
+                  <a:srgbClr val="D4D4D4"/>
+                </a:solidFill>
+                <a:effectLst/>
+                <a:latin typeface="Consolas" panose="020B0609020204030204" pitchFamily="49" charset="0"/>
+              </a:rPr>
+              <a:t>robotJoints</a:t>
+            </a:r>
+            <a:r>
+              <a:rPr lang="en-GB" sz="1400" b="0" dirty="0">
+                <a:solidFill>
+                  <a:srgbClr val="D4D4D4"/>
+                </a:solidFill>
+                <a:effectLst/>
+                <a:latin typeface="Consolas" panose="020B0609020204030204" pitchFamily="49" charset="0"/>
+              </a:rPr>
+              <a:t>)</a:t>
+            </a:r>
+          </a:p>
+          <a:p>
+            <a:pPr marL="0" indent="0">
+              <a:lnSpc>
+                <a:spcPct val="100000"/>
+              </a:lnSpc>
+              <a:buNone/>
+            </a:pPr>
+            <a:endParaRPr lang="en-GB" sz="1200" b="0" dirty="0">
+              <a:solidFill>
+                <a:srgbClr val="6A9955"/>
+              </a:solidFill>
+              <a:effectLst/>
+              <a:latin typeface="Consolas" panose="020B0609020204030204" pitchFamily="49" charset="0"/>
+            </a:endParaRPr>
+          </a:p>
+        </p:txBody>
+      </p:sp>
+      <p:sp>
+        <p:nvSpPr>
+          <p:cNvPr id="4" name="Title 3">
+            <a:extLst>
+              <a:ext uri="{FF2B5EF4-FFF2-40B4-BE49-F238E27FC236}">
+                <a16:creationId xmlns:a16="http://schemas.microsoft.com/office/drawing/2014/main" id="{55B29336-0B7B-574E-4A86-76F75698D357}"/>
+              </a:ext>
+            </a:extLst>
+          </p:cNvPr>
+          <p:cNvSpPr>
+            <a:spLocks noGrp="1"/>
+          </p:cNvSpPr>
+          <p:nvPr>
+            <p:ph type="title"/>
+          </p:nvPr>
+        </p:nvSpPr>
+        <p:spPr/>
+        <p:txBody>
+          <a:bodyPr/>
+          <a:lstStyle/>
+          <a:p>
+            <a:r>
+              <a:rPr lang="en-GB" dirty="0"/>
+              <a:t>Tips and tricks</a:t>
+            </a:r>
+          </a:p>
+        </p:txBody>
+      </p:sp>
+    </p:spTree>
+    <p:extLst>
+      <p:ext uri="{BB962C8B-B14F-4D97-AF65-F5344CB8AC3E}">
+        <p14:creationId xmlns:p14="http://schemas.microsoft.com/office/powerpoint/2010/main" val="109105452"/>
       </p:ext>
     </p:extLst>
   </p:cSld>
